--- a/Deliverables/Capstone Project Presentation.pptx
+++ b/Deliverables/Capstone Project Presentation.pptx
@@ -11856,66 +11856,6 @@
           </a:p>
         </p:txBody>
       </p:sp>
-      <p:pic>
-        <p:nvPicPr>
-          <p:cNvPr id="7" name="Picture 6">
-            <a:extLst>
-              <a:ext uri="{FF2B5EF4-FFF2-40B4-BE49-F238E27FC236}">
-                <a16:creationId xmlns:a16="http://schemas.microsoft.com/office/drawing/2014/main" id="{00BE7D06-FE4A-448A-89A4-2A4610D1D2A5}"/>
-              </a:ext>
-            </a:extLst>
-          </p:cNvPr>
-          <p:cNvPicPr>
-            <a:picLocks noChangeAspect="1"/>
-          </p:cNvPicPr>
-          <p:nvPr/>
-        </p:nvPicPr>
-        <p:blipFill>
-          <a:blip r:embed="rId3"/>
-          <a:stretch>
-            <a:fillRect/>
-          </a:stretch>
-        </p:blipFill>
-        <p:spPr>
-          <a:xfrm>
-            <a:off x="5213023" y="1028070"/>
-            <a:ext cx="6739177" cy="1983859"/>
-          </a:xfrm>
-          <a:prstGeom prst="rect">
-            <a:avLst/>
-          </a:prstGeom>
-        </p:spPr>
-      </p:pic>
-      <p:pic>
-        <p:nvPicPr>
-          <p:cNvPr id="8" name="Picture 7">
-            <a:extLst>
-              <a:ext uri="{FF2B5EF4-FFF2-40B4-BE49-F238E27FC236}">
-                <a16:creationId xmlns:a16="http://schemas.microsoft.com/office/drawing/2014/main" id="{8ABC6067-6F8E-4264-B6E8-16A295ACF48D}"/>
-              </a:ext>
-            </a:extLst>
-          </p:cNvPr>
-          <p:cNvPicPr>
-            <a:picLocks noChangeAspect="1"/>
-          </p:cNvPicPr>
-          <p:nvPr/>
-        </p:nvPicPr>
-        <p:blipFill>
-          <a:blip r:embed="rId4"/>
-          <a:stretch>
-            <a:fillRect/>
-          </a:stretch>
-        </p:blipFill>
-        <p:spPr>
-          <a:xfrm>
-            <a:off x="4901242" y="3289552"/>
-            <a:ext cx="7050958" cy="3403723"/>
-          </a:xfrm>
-          <a:prstGeom prst="rect">
-            <a:avLst/>
-          </a:prstGeom>
-        </p:spPr>
-      </p:pic>
       <p:sp>
         <p:nvSpPr>
           <p:cNvPr id="15" name="Rectangle: Rounded Corners 14">
@@ -11965,6 +11905,36 @@
           </a:p>
         </p:txBody>
       </p:sp>
+      <p:pic>
+        <p:nvPicPr>
+          <p:cNvPr id="2" name="Picture 1">
+            <a:extLst>
+              <a:ext uri="{FF2B5EF4-FFF2-40B4-BE49-F238E27FC236}">
+                <a16:creationId xmlns:a16="http://schemas.microsoft.com/office/drawing/2014/main" id="{51568E8C-5FD2-4621-8B1D-77857DB20B26}"/>
+              </a:ext>
+            </a:extLst>
+          </p:cNvPr>
+          <p:cNvPicPr>
+            <a:picLocks noChangeAspect="1"/>
+          </p:cNvPicPr>
+          <p:nvPr/>
+        </p:nvPicPr>
+        <p:blipFill>
+          <a:blip r:embed="rId3"/>
+          <a:stretch>
+            <a:fillRect/>
+          </a:stretch>
+        </p:blipFill>
+        <p:spPr>
+          <a:xfrm>
+            <a:off x="5132351" y="3077917"/>
+            <a:ext cx="6692003" cy="3712945"/>
+          </a:xfrm>
+          <a:prstGeom prst="rect">
+            <a:avLst/>
+          </a:prstGeom>
+        </p:spPr>
+      </p:pic>
       <p:sp>
         <p:nvSpPr>
           <p:cNvPr id="16" name="Rectangle: Rounded Corners 15">
@@ -11979,7 +11949,7 @@
         </p:nvSpPr>
         <p:spPr>
           <a:xfrm>
-            <a:off x="10019707" y="6028974"/>
+            <a:off x="9812317" y="6047828"/>
             <a:ext cx="1932493" cy="474586"/>
           </a:xfrm>
           <a:prstGeom prst="roundRect">
@@ -12022,6 +11992,36 @@
           </a:p>
         </p:txBody>
       </p:sp>
+      <p:pic>
+        <p:nvPicPr>
+          <p:cNvPr id="3" name="Picture 2">
+            <a:extLst>
+              <a:ext uri="{FF2B5EF4-FFF2-40B4-BE49-F238E27FC236}">
+                <a16:creationId xmlns:a16="http://schemas.microsoft.com/office/drawing/2014/main" id="{01042228-B2C5-459E-BBA7-56955170FDED}"/>
+              </a:ext>
+            </a:extLst>
+          </p:cNvPr>
+          <p:cNvPicPr>
+            <a:picLocks noChangeAspect="1"/>
+          </p:cNvPicPr>
+          <p:nvPr/>
+        </p:nvPicPr>
+        <p:blipFill>
+          <a:blip r:embed="rId4"/>
+          <a:stretch>
+            <a:fillRect/>
+          </a:stretch>
+        </p:blipFill>
+        <p:spPr>
+          <a:xfrm>
+            <a:off x="5299237" y="1066048"/>
+            <a:ext cx="6445573" cy="1779586"/>
+          </a:xfrm>
+          <a:prstGeom prst="rect">
+            <a:avLst/>
+          </a:prstGeom>
+        </p:spPr>
+      </p:pic>
     </p:spTree>
     <p:extLst>
       <p:ext uri="{BB962C8B-B14F-4D97-AF65-F5344CB8AC3E}">
